--- a/Apresentação.pptx
+++ b/Apresentação.pptx
@@ -4526,10 +4526,10 @@
       </p:sp>
       <p:pic>
         <p:nvPicPr>
-          <p:cNvPr id="6" name="Imagem 5" descr="Diagrama&#10;&#10;Descrição gerada automaticamente">
+          <p:cNvPr id="4" name="Imagem 3" descr="Diagrama&#10;&#10;Descrição gerada automaticamente">
             <a:extLst>
               <a:ext uri="{FF2B5EF4-FFF2-40B4-BE49-F238E27FC236}">
-                <a16:creationId xmlns:a16="http://schemas.microsoft.com/office/drawing/2014/main" id="{BDF9A232-7BEF-4C5E-9327-C646AB1BDD08}"/>
+                <a16:creationId xmlns:a16="http://schemas.microsoft.com/office/drawing/2014/main" id="{698BA8C3-7B86-4D7A-86AD-12FF349D70A3}"/>
               </a:ext>
             </a:extLst>
           </p:cNvPr>
@@ -4546,8 +4546,8 @@
         </p:blipFill>
         <p:spPr>
           <a:xfrm>
-            <a:off x="871021" y="1404655"/>
-            <a:ext cx="7401958" cy="4048690"/>
+            <a:off x="847205" y="1318918"/>
+            <a:ext cx="7449590" cy="4220164"/>
           </a:xfrm>
           <a:prstGeom prst="rect">
             <a:avLst/>

--- a/Apresentação.pptx
+++ b/Apresentação.pptx
@@ -4526,10 +4526,10 @@
       </p:sp>
       <p:pic>
         <p:nvPicPr>
-          <p:cNvPr id="4" name="Imagem 3" descr="Diagrama&#10;&#10;Descrição gerada automaticamente">
+          <p:cNvPr id="5" name="Imagem 4" descr="Diagrama&#10;&#10;Descrição gerada automaticamente">
             <a:extLst>
               <a:ext uri="{FF2B5EF4-FFF2-40B4-BE49-F238E27FC236}">
-                <a16:creationId xmlns:a16="http://schemas.microsoft.com/office/drawing/2014/main" id="{698BA8C3-7B86-4D7A-86AD-12FF349D70A3}"/>
+                <a16:creationId xmlns:a16="http://schemas.microsoft.com/office/drawing/2014/main" id="{C348D5FF-D563-4D5A-AD5A-D582D4A55AD2}"/>
               </a:ext>
             </a:extLst>
           </p:cNvPr>
@@ -4546,8 +4546,8 @@
         </p:blipFill>
         <p:spPr>
           <a:xfrm>
-            <a:off x="847205" y="1318918"/>
-            <a:ext cx="7449590" cy="4220164"/>
+            <a:off x="742415" y="1167689"/>
+            <a:ext cx="7659169" cy="5020376"/>
           </a:xfrm>
           <a:prstGeom prst="rect">
             <a:avLst/>
